--- a/user-level-cpu-quota-control/etc/netperf_client.pptx
+++ b/user-level-cpu-quota-control/etc/netperf_client.pptx
@@ -4143,7 +4143,7 @@
                 <a:latin typeface="Arial Hebrew" pitchFamily="2" charset="-79"/>
                 <a:cs typeface="Arial Hebrew" pitchFamily="2" charset="-79"/>
               </a:rPr>
-              <a:t>3</a:t>
+              <a:t>8</a:t>
             </a:r>
             <a:r>
               <a:rPr kumimoji="1" lang="en-US" altLang="ko-KR" sz="1400" dirty="0">
